--- a/operating_system final project.pptx
+++ b/operating_system final project.pptx
@@ -8,6 +8,9 @@
   <p:notesMasterIdLst>
     <p:notesMasterId r:id="rId18"/>
   </p:notesMasterIdLst>
+  <p:handoutMasterIdLst>
+    <p:handoutMasterId r:id="rId19"/>
+  </p:handoutMasterIdLst>
   <p:sldIdLst>
     <p:sldId id="256" r:id="rId3"/>
     <p:sldId id="257" r:id="rId4"/>
@@ -141,6 +144,196 @@
 </p:presentation>
 </file>
 
+<file path=ppt/handoutMasters/handoutMaster1.xml><?xml version="1.0" encoding="utf-8"?>
+<p:handoutMaster xmlns:a="http://schemas.openxmlformats.org/drawingml/2006/main" xmlns:r="http://schemas.openxmlformats.org/officeDocument/2006/relationships" xmlns:p="http://schemas.openxmlformats.org/presentationml/2006/main">
+  <p:cSld>
+    <p:bg>
+      <p:bgRef idx="1001">
+        <a:schemeClr val="bg1"/>
+      </p:bgRef>
+    </p:bg>
+    <p:spTree>
+      <p:nvGrpSpPr>
+        <p:cNvPr id="1" name=""/>
+        <p:cNvGrpSpPr/>
+        <p:nvPr/>
+      </p:nvGrpSpPr>
+      <p:grpSpPr>
+        <a:xfrm>
+          <a:off x="0" y="0"/>
+          <a:ext cx="0" cy="0"/>
+          <a:chOff x="0" y="0"/>
+          <a:chExt cx="0" cy="0"/>
+        </a:xfrm>
+      </p:grpSpPr>
+      <p:sp>
+        <p:nvSpPr>
+          <p:cNvPr id="2" name="頁首版面配置區 1">
+            <a:extLst>
+              <a:ext uri="{FF2B5EF4-FFF2-40B4-BE49-F238E27FC236}">
+                <a16:creationId xmlns:a16="http://schemas.microsoft.com/office/drawing/2014/main" id="{E9BBEEE1-C36C-456B-818E-B9258B429553}"/>
+              </a:ext>
+            </a:extLst>
+          </p:cNvPr>
+          <p:cNvSpPr>
+            <a:spLocks noGrp="1"/>
+          </p:cNvSpPr>
+          <p:nvPr>
+            <p:ph type="hdr" sz="quarter"/>
+          </p:nvPr>
+        </p:nvSpPr>
+        <p:spPr>
+          <a:xfrm>
+            <a:off x="0" y="0"/>
+            <a:ext cx="2971800" cy="458788"/>
+          </a:xfrm>
+          <a:prstGeom prst="rect">
+            <a:avLst/>
+          </a:prstGeom>
+        </p:spPr>
+        <p:txBody>
+          <a:bodyPr vert="horz" lIns="91440" tIns="45720" rIns="91440" bIns="45720" rtlCol="0"/>
+          <a:lstStyle>
+            <a:lvl1pPr algn="l">
+              <a:defRPr sz="1200"/>
+            </a:lvl1pPr>
+          </a:lstStyle>
+          <a:p>
+            <a:endParaRPr lang="zh-TW" altLang="en-US"/>
+          </a:p>
+        </p:txBody>
+      </p:sp>
+      <p:sp>
+        <p:nvSpPr>
+          <p:cNvPr id="3" name="日期版面配置區 2">
+            <a:extLst>
+              <a:ext uri="{FF2B5EF4-FFF2-40B4-BE49-F238E27FC236}">
+                <a16:creationId xmlns:a16="http://schemas.microsoft.com/office/drawing/2014/main" id="{1940DC21-039C-4B8A-B336-DC79888DF2BE}"/>
+              </a:ext>
+            </a:extLst>
+          </p:cNvPr>
+          <p:cNvSpPr>
+            <a:spLocks noGrp="1"/>
+          </p:cNvSpPr>
+          <p:nvPr>
+            <p:ph type="dt" sz="quarter" idx="1"/>
+          </p:nvPr>
+        </p:nvSpPr>
+        <p:spPr>
+          <a:xfrm>
+            <a:off x="3884613" y="0"/>
+            <a:ext cx="2971800" cy="458788"/>
+          </a:xfrm>
+          <a:prstGeom prst="rect">
+            <a:avLst/>
+          </a:prstGeom>
+        </p:spPr>
+        <p:txBody>
+          <a:bodyPr vert="horz" lIns="91440" tIns="45720" rIns="91440" bIns="45720" rtlCol="0"/>
+          <a:lstStyle>
+            <a:lvl1pPr algn="r">
+              <a:defRPr sz="1200"/>
+            </a:lvl1pPr>
+          </a:lstStyle>
+          <a:p>
+            <a:fld id="{60B32FE9-751C-4A73-91B7-5A017BF14CAE}" type="datetimeFigureOut">
+              <a:rPr lang="zh-TW" altLang="en-US" smtClean="0"/>
+              <a:t>2021/1/2</a:t>
+            </a:fld>
+            <a:endParaRPr lang="zh-TW" altLang="en-US"/>
+          </a:p>
+        </p:txBody>
+      </p:sp>
+      <p:sp>
+        <p:nvSpPr>
+          <p:cNvPr id="4" name="頁尾版面配置區 3">
+            <a:extLst>
+              <a:ext uri="{FF2B5EF4-FFF2-40B4-BE49-F238E27FC236}">
+                <a16:creationId xmlns:a16="http://schemas.microsoft.com/office/drawing/2014/main" id="{776F5922-9327-45D7-A874-06464D2DF69D}"/>
+              </a:ext>
+            </a:extLst>
+          </p:cNvPr>
+          <p:cNvSpPr>
+            <a:spLocks noGrp="1"/>
+          </p:cNvSpPr>
+          <p:nvPr>
+            <p:ph type="ftr" sz="quarter" idx="2"/>
+          </p:nvPr>
+        </p:nvSpPr>
+        <p:spPr>
+          <a:xfrm>
+            <a:off x="0" y="8685213"/>
+            <a:ext cx="2971800" cy="458787"/>
+          </a:xfrm>
+          <a:prstGeom prst="rect">
+            <a:avLst/>
+          </a:prstGeom>
+        </p:spPr>
+        <p:txBody>
+          <a:bodyPr vert="horz" lIns="91440" tIns="45720" rIns="91440" bIns="45720" rtlCol="0" anchor="b"/>
+          <a:lstStyle>
+            <a:lvl1pPr algn="l">
+              <a:defRPr sz="1200"/>
+            </a:lvl1pPr>
+          </a:lstStyle>
+          <a:p>
+            <a:endParaRPr lang="zh-TW" altLang="en-US"/>
+          </a:p>
+        </p:txBody>
+      </p:sp>
+      <p:sp>
+        <p:nvSpPr>
+          <p:cNvPr id="5" name="投影片編號版面配置區 4">
+            <a:extLst>
+              <a:ext uri="{FF2B5EF4-FFF2-40B4-BE49-F238E27FC236}">
+                <a16:creationId xmlns:a16="http://schemas.microsoft.com/office/drawing/2014/main" id="{DCF205F9-E3D0-4C3A-B10E-56281D1795AF}"/>
+              </a:ext>
+            </a:extLst>
+          </p:cNvPr>
+          <p:cNvSpPr>
+            <a:spLocks noGrp="1"/>
+          </p:cNvSpPr>
+          <p:nvPr>
+            <p:ph type="sldNum" sz="quarter" idx="3"/>
+          </p:nvPr>
+        </p:nvSpPr>
+        <p:spPr>
+          <a:xfrm>
+            <a:off x="3884613" y="8685213"/>
+            <a:ext cx="2971800" cy="458787"/>
+          </a:xfrm>
+          <a:prstGeom prst="rect">
+            <a:avLst/>
+          </a:prstGeom>
+        </p:spPr>
+        <p:txBody>
+          <a:bodyPr vert="horz" lIns="91440" tIns="45720" rIns="91440" bIns="45720" rtlCol="0" anchor="b"/>
+          <a:lstStyle>
+            <a:lvl1pPr algn="r">
+              <a:defRPr sz="1200"/>
+            </a:lvl1pPr>
+          </a:lstStyle>
+          <a:p>
+            <a:fld id="{AE42A2FE-F403-4D91-A06F-5D854B04EF6B}" type="slidenum">
+              <a:rPr lang="zh-TW" altLang="en-US" smtClean="0"/>
+              <a:t>‹#›</a:t>
+            </a:fld>
+            <a:endParaRPr lang="zh-TW" altLang="en-US"/>
+          </a:p>
+        </p:txBody>
+      </p:sp>
+    </p:spTree>
+    <p:extLst>
+      <p:ext uri="{BB962C8B-B14F-4D97-AF65-F5344CB8AC3E}">
+        <p14:creationId xmlns:p14="http://schemas.microsoft.com/office/powerpoint/2010/main" val="376933155"/>
+      </p:ext>
+    </p:extLst>
+  </p:cSld>
+  <p:clrMap bg1="lt1" tx1="dk1" bg2="lt2" tx2="dk2" accent1="accent1" accent2="accent2" accent3="accent3" accent4="accent4" accent5="accent5" accent6="accent6" hlink="hlink" folHlink="folHlink"/>
+  <p:hf hdr="0" ftr="0" dt="0"/>
+</p:handoutMaster>
+</file>
+
 <file path=ppt/notesMasters/notesMaster1.xml><?xml version="1.0" encoding="utf-8"?>
 <p:notesMaster xmlns:a="http://schemas.openxmlformats.org/drawingml/2006/main" xmlns:r="http://schemas.openxmlformats.org/officeDocument/2006/relationships" xmlns:p="http://schemas.openxmlformats.org/presentationml/2006/main">
   <p:cSld>
@@ -223,7 +416,7 @@
           <a:p>
             <a:fld id="{5250295A-D548-463D-A0FB-7869A4CA0027}" type="datetimeFigureOut">
               <a:rPr lang="zh-CN" altLang="en-US" smtClean="0"/>
-              <a:t>2020/12/30</a:t>
+              <a:t>2021/1/2</a:t>
             </a:fld>
             <a:endParaRPr lang="zh-CN" altLang="en-US"/>
           </a:p>
@@ -395,6 +588,7 @@
     </p:extLst>
   </p:cSld>
   <p:clrMap bg1="lt1" tx1="dk1" bg2="lt2" tx2="dk2" accent1="accent1" accent2="accent2" accent3="accent3" accent4="accent4" accent5="accent5" accent6="accent6" hlink="hlink" folHlink="folHlink"/>
+  <p:hf hdr="0" ftr="0" dt="0"/>
   <p:notesStyle>
     <a:lvl1pPr marL="0" algn="l" defTabSz="914400" rtl="0" eaLnBrk="1" latinLnBrk="0" hangingPunct="1">
       <a:defRPr sz="1200" kern="1200">
@@ -661,10 +855,6 @@
           <a:bodyPr/>
           <a:lstStyle/>
           <a:p>
-            <a:fld id="{142B6578-AAF6-4D63-A545-F6C311EB50A4}" type="datetimeFigureOut">
-              <a:rPr lang="zh-CN" altLang="en-US" smtClean="0"/>
-              <a:t>2020/12/30</a:t>
-            </a:fld>
             <a:endParaRPr lang="zh-CN" altLang="en-US"/>
           </a:p>
         </p:txBody>
@@ -1530,10 +1720,6 @@
           <a:bodyPr/>
           <a:lstStyle/>
           <a:p>
-            <a:fld id="{142B6578-AAF6-4D63-A545-F6C311EB50A4}" type="datetimeFigureOut">
-              <a:rPr lang="zh-CN" altLang="en-US" smtClean="0"/>
-              <a:t>2020/12/30</a:t>
-            </a:fld>
             <a:endParaRPr lang="zh-CN" altLang="en-US"/>
           </a:p>
         </p:txBody>
@@ -3547,38 +3733,6 @@
       </p:sp>
       <p:sp>
         <p:nvSpPr>
-          <p:cNvPr id="2" name="Slide Number Placeholder 3"/>
-          <p:cNvSpPr>
-            <a:spLocks noGrp="1"/>
-          </p:cNvSpPr>
-          <p:nvPr>
-            <p:ph type="sldNum" sz="quarter" idx="12"/>
-          </p:nvPr>
-        </p:nvSpPr>
-        <p:spPr/>
-        <p:txBody>
-          <a:bodyPr/>
-          <a:lstStyle/>
-          <a:p>
-            <a:fld id="{FCEE2C88-6C8F-484D-AF69-578F576B1F44}" type="slidenum">
-              <a:rPr lang="en-US" smtClean="0">
-                <a:latin typeface="+mn-lt"/>
-                <a:cs typeface="+mn-ea"/>
-                <a:sym typeface="+mn-lt"/>
-              </a:rPr>
-              <a:pPr/>
-              <a:t>10</a:t>
-            </a:fld>
-            <a:endParaRPr lang="en-US" dirty="0">
-              <a:latin typeface="+mn-lt"/>
-              <a:cs typeface="+mn-ea"/>
-              <a:sym typeface="+mn-lt"/>
-            </a:endParaRPr>
-          </a:p>
-        </p:txBody>
-      </p:sp>
-      <p:sp>
-        <p:nvSpPr>
           <p:cNvPr id="3" name="Rectangle 37"/>
           <p:cNvSpPr/>
           <p:nvPr/>
@@ -5277,6 +5431,53 @@
               <a:uFillTx/>
               <a:cs typeface="+mn-ea"/>
               <a:sym typeface="+mn-lt"/>
+            </a:endParaRPr>
+          </a:p>
+        </p:txBody>
+      </p:sp>
+      <p:sp>
+        <p:nvSpPr>
+          <p:cNvPr id="13" name="投影片編號版面配置區 12">
+            <a:extLst>
+              <a:ext uri="{FF2B5EF4-FFF2-40B4-BE49-F238E27FC236}">
+                <a16:creationId xmlns:a16="http://schemas.microsoft.com/office/drawing/2014/main" id="{F1187FCB-E660-479E-BFDD-276CBEEB8BC5}"/>
+              </a:ext>
+            </a:extLst>
+          </p:cNvPr>
+          <p:cNvSpPr>
+            <a:spLocks noGrp="1"/>
+          </p:cNvSpPr>
+          <p:nvPr>
+            <p:ph type="sldNum" sz="quarter" idx="12"/>
+          </p:nvPr>
+        </p:nvSpPr>
+        <p:spPr/>
+        <p:txBody>
+          <a:bodyPr/>
+          <a:lstStyle/>
+          <a:p>
+            <a:pPr>
+              <a:defRPr/>
+            </a:pPr>
+            <a:fld id="{FCEE2C88-6C8F-484D-AF69-578F576B1F44}" type="slidenum">
+              <a:rPr lang="en-US" smtClean="0">
+                <a:solidFill>
+                  <a:prstClr val="white">
+                    <a:lumMod val="50000"/>
+                  </a:prstClr>
+                </a:solidFill>
+              </a:rPr>
+              <a:pPr>
+                <a:defRPr/>
+              </a:pPr>
+              <a:t>10</a:t>
+            </a:fld>
+            <a:endParaRPr lang="en-US" dirty="0">
+              <a:solidFill>
+                <a:prstClr val="white">
+                  <a:lumMod val="50000"/>
+                </a:prstClr>
+              </a:solidFill>
             </a:endParaRPr>
           </a:p>
         </p:txBody>
@@ -5779,39 +5980,6 @@
           <a:chExt cx="0" cy="0"/>
         </a:xfrm>
       </p:grpSpPr>
-      <p:sp>
-        <p:nvSpPr>
-          <p:cNvPr id="2" name="Slide Number Placeholder 3"/>
-          <p:cNvSpPr>
-            <a:spLocks noGrp="1"/>
-          </p:cNvSpPr>
-          <p:nvPr>
-            <p:ph type="sldNum" sz="quarter" idx="12"/>
-          </p:nvPr>
-        </p:nvSpPr>
-        <p:spPr/>
-        <p:txBody>
-          <a:bodyPr/>
-          <a:lstStyle/>
-          <a:p>
-            <a:pPr lvl="0"/>
-            <a:fld id="{FCEE2C88-6C8F-484D-AF69-578F576B1F44}" type="slidenum">
-              <a:rPr lang="en-US" noProof="0" smtClean="0">
-                <a:latin typeface="+mn-lt"/>
-                <a:cs typeface="+mn-ea"/>
-                <a:sym typeface="+mn-lt"/>
-              </a:rPr>
-              <a:pPr lvl="0"/>
-              <a:t>12</a:t>
-            </a:fld>
-            <a:endParaRPr lang="en-US" noProof="0" dirty="0">
-              <a:latin typeface="+mn-lt"/>
-              <a:cs typeface="+mn-ea"/>
-              <a:sym typeface="+mn-lt"/>
-            </a:endParaRPr>
-          </a:p>
-        </p:txBody>
-      </p:sp>
       <p:grpSp>
         <p:nvGrpSpPr>
           <p:cNvPr id="3" name="Group 243"/>
@@ -10978,6 +11146,53 @@
           </a:p>
         </p:txBody>
       </p:sp>
+      <p:sp>
+        <p:nvSpPr>
+          <p:cNvPr id="15" name="投影片編號版面配置區 14">
+            <a:extLst>
+              <a:ext uri="{FF2B5EF4-FFF2-40B4-BE49-F238E27FC236}">
+                <a16:creationId xmlns:a16="http://schemas.microsoft.com/office/drawing/2014/main" id="{4D46BB73-E211-4147-944B-7FA6D9B2CD90}"/>
+              </a:ext>
+            </a:extLst>
+          </p:cNvPr>
+          <p:cNvSpPr>
+            <a:spLocks noGrp="1"/>
+          </p:cNvSpPr>
+          <p:nvPr>
+            <p:ph type="sldNum" sz="quarter" idx="12"/>
+          </p:nvPr>
+        </p:nvSpPr>
+        <p:spPr/>
+        <p:txBody>
+          <a:bodyPr/>
+          <a:lstStyle/>
+          <a:p>
+            <a:pPr>
+              <a:defRPr/>
+            </a:pPr>
+            <a:fld id="{FCEE2C88-6C8F-484D-AF69-578F576B1F44}" type="slidenum">
+              <a:rPr lang="en-US" smtClean="0">
+                <a:solidFill>
+                  <a:prstClr val="white">
+                    <a:lumMod val="50000"/>
+                  </a:prstClr>
+                </a:solidFill>
+              </a:rPr>
+              <a:pPr>
+                <a:defRPr/>
+              </a:pPr>
+              <a:t>12</a:t>
+            </a:fld>
+            <a:endParaRPr lang="en-US" dirty="0">
+              <a:solidFill>
+                <a:prstClr val="white">
+                  <a:lumMod val="50000"/>
+                </a:prstClr>
+              </a:solidFill>
+            </a:endParaRPr>
+          </a:p>
+        </p:txBody>
+      </p:sp>
     </p:spTree>
     <p:extLst>
       <p:ext uri="{BB962C8B-B14F-4D97-AF65-F5344CB8AC3E}">
@@ -11482,98 +11697,6 @@
           <a:chExt cx="0" cy="0"/>
         </a:xfrm>
       </p:grpSpPr>
-      <p:sp>
-        <p:nvSpPr>
-          <p:cNvPr id="3" name="灯片编号占位符 1"/>
-          <p:cNvSpPr>
-            <a:spLocks noGrp="1"/>
-          </p:cNvSpPr>
-          <p:nvPr>
-            <p:ph type="sldNum" sz="quarter" idx="12"/>
-          </p:nvPr>
-        </p:nvSpPr>
-        <p:spPr>
-          <a:xfrm>
-            <a:off x="11471564" y="327460"/>
-            <a:ext cx="431078" cy="389083"/>
-          </a:xfrm>
-        </p:spPr>
-        <p:txBody>
-          <a:bodyPr/>
-          <a:lstStyle/>
-          <a:p>
-            <a:pPr marL="0" marR="0" lvl="0" indent="0" algn="ctr" defTabSz="914400" rtl="0" eaLnBrk="1" fontAlgn="auto" latinLnBrk="0" hangingPunct="1">
-              <a:lnSpc>
-                <a:spcPct val="100000"/>
-              </a:lnSpc>
-              <a:spcBef>
-                <a:spcPts val="0"/>
-              </a:spcBef>
-              <a:spcAft>
-                <a:spcPts val="0"/>
-              </a:spcAft>
-              <a:buClrTx/>
-              <a:buSzTx/>
-              <a:buFontTx/>
-              <a:buNone/>
-              <a:tabLst/>
-              <a:defRPr/>
-            </a:pPr>
-            <a:fld id="{FCEE2C88-6C8F-484D-AF69-578F576B1F44}" type="slidenum">
-              <a:rPr kumimoji="0" lang="en-US" sz="1000" b="0" i="0" u="none" strike="noStrike" kern="1200" cap="none" spc="0" normalizeH="0" baseline="0" noProof="0" smtClean="0">
-                <a:ln>
-                  <a:noFill/>
-                </a:ln>
-                <a:solidFill>
-                  <a:prstClr val="white">
-                    <a:lumMod val="50000"/>
-                  </a:prstClr>
-                </a:solidFill>
-                <a:effectLst/>
-                <a:uLnTx/>
-                <a:uFillTx/>
-                <a:latin typeface="Lato" panose="020F0502020204030203" pitchFamily="34" charset="0"/>
-                <a:ea typeface="微软雅黑"/>
-                <a:cs typeface="+mn-cs"/>
-              </a:rPr>
-              <a:pPr marL="0" marR="0" lvl="0" indent="0" algn="ctr" defTabSz="914400" rtl="0" eaLnBrk="1" fontAlgn="auto" latinLnBrk="0" hangingPunct="1">
-                <a:lnSpc>
-                  <a:spcPct val="100000"/>
-                </a:lnSpc>
-                <a:spcBef>
-                  <a:spcPts val="0"/>
-                </a:spcBef>
-                <a:spcAft>
-                  <a:spcPts val="0"/>
-                </a:spcAft>
-                <a:buClrTx/>
-                <a:buSzTx/>
-                <a:buFontTx/>
-                <a:buNone/>
-                <a:tabLst/>
-                <a:defRPr/>
-              </a:pPr>
-              <a:t>14</a:t>
-            </a:fld>
-            <a:endParaRPr kumimoji="0" lang="en-US" sz="1000" b="0" i="0" u="none" strike="noStrike" kern="1200" cap="none" spc="0" normalizeH="0" baseline="0" noProof="0" dirty="0">
-              <a:ln>
-                <a:noFill/>
-              </a:ln>
-              <a:solidFill>
-                <a:prstClr val="white">
-                  <a:lumMod val="50000"/>
-                </a:prstClr>
-              </a:solidFill>
-              <a:effectLst/>
-              <a:uLnTx/>
-              <a:uFillTx/>
-              <a:latin typeface="Lato" panose="020F0502020204030203" pitchFamily="34" charset="0"/>
-              <a:ea typeface="微软雅黑"/>
-              <a:cs typeface="+mn-cs"/>
-            </a:endParaRPr>
-          </a:p>
-        </p:txBody>
-      </p:sp>
       <p:grpSp>
         <p:nvGrpSpPr>
           <p:cNvPr id="4" name="Csoportba foglalás 6"/>
@@ -38199,199 +38322,21 @@
       </p:grpSpPr>
       <p:sp>
         <p:nvSpPr>
-          <p:cNvPr id="3" name="Slide Number Placeholder 3"/>
-          <p:cNvSpPr>
-            <a:spLocks noGrp="1"/>
-          </p:cNvSpPr>
-          <p:nvPr>
-            <p:ph type="sldNum" sz="quarter" idx="12"/>
-          </p:nvPr>
-        </p:nvSpPr>
-        <p:spPr/>
-        <p:txBody>
-          <a:bodyPr/>
-          <a:lstStyle/>
-          <a:p>
-            <a:pPr lvl="0"/>
-            <a:fld id="{FCEE2C88-6C8F-484D-AF69-578F576B1F44}" type="slidenum">
-              <a:rPr lang="en-US" noProof="0" smtClean="0">
-                <a:latin typeface="+mn-lt"/>
-                <a:cs typeface="+mn-ea"/>
-                <a:sym typeface="+mn-lt"/>
-              </a:rPr>
-              <a:pPr lvl="0"/>
-              <a:t>4</a:t>
-            </a:fld>
-            <a:endParaRPr lang="en-US" noProof="0" dirty="0">
-              <a:latin typeface="+mn-lt"/>
-              <a:cs typeface="+mn-ea"/>
-              <a:sym typeface="+mn-lt"/>
-            </a:endParaRPr>
-          </a:p>
-        </p:txBody>
-      </p:sp>
-      <p:sp>
-        <p:nvSpPr>
-          <p:cNvPr id="4" name="Slide Number Placeholder 3"/>
-          <p:cNvSpPr txBox="1">
-            <a:spLocks/>
-          </p:cNvSpPr>
+          <p:cNvPr id="5" name="Text Placeholder 32"/>
+          <p:cNvSpPr txBox="1"/>
           <p:nvPr/>
         </p:nvSpPr>
         <p:spPr>
           <a:xfrm>
-            <a:off x="11481724" y="436880"/>
-            <a:ext cx="431078" cy="188223"/>
+            <a:off x="1298878" y="4182536"/>
+            <a:ext cx="2190156" cy="2296065"/>
           </a:xfrm>
           <a:prstGeom prst="rect">
             <a:avLst/>
           </a:prstGeom>
         </p:spPr>
         <p:txBody>
-          <a:bodyPr lIns="0" tIns="0" rIns="0" bIns="0"/>
-          <a:lstStyle>
-            <a:defPPr>
-              <a:defRPr lang="zh-CN"/>
-            </a:defPPr>
-            <a:lvl1pPr marL="0" algn="ctr" defTabSz="914400" rtl="0" eaLnBrk="1" latinLnBrk="0" hangingPunct="1">
-              <a:defRPr sz="1000" kern="1200">
-                <a:solidFill>
-                  <a:schemeClr val="bg1">
-                    <a:lumMod val="50000"/>
-                  </a:schemeClr>
-                </a:solidFill>
-                <a:latin typeface="Lato" panose="020F0502020204030203" pitchFamily="34" charset="0"/>
-                <a:ea typeface="+mn-ea"/>
-                <a:cs typeface="+mn-cs"/>
-              </a:defRPr>
-            </a:lvl1pPr>
-            <a:lvl2pPr marL="457200" algn="l" defTabSz="914400" rtl="0" eaLnBrk="1" latinLnBrk="0" hangingPunct="1">
-              <a:defRPr sz="1800" kern="1200">
-                <a:solidFill>
-                  <a:schemeClr val="tx1"/>
-                </a:solidFill>
-                <a:latin typeface="+mn-lt"/>
-                <a:ea typeface="+mn-ea"/>
-                <a:cs typeface="+mn-cs"/>
-              </a:defRPr>
-            </a:lvl2pPr>
-            <a:lvl3pPr marL="914400" algn="l" defTabSz="914400" rtl="0" eaLnBrk="1" latinLnBrk="0" hangingPunct="1">
-              <a:defRPr sz="1800" kern="1200">
-                <a:solidFill>
-                  <a:schemeClr val="tx1"/>
-                </a:solidFill>
-                <a:latin typeface="+mn-lt"/>
-                <a:ea typeface="+mn-ea"/>
-                <a:cs typeface="+mn-cs"/>
-              </a:defRPr>
-            </a:lvl3pPr>
-            <a:lvl4pPr marL="1371600" algn="l" defTabSz="914400" rtl="0" eaLnBrk="1" latinLnBrk="0" hangingPunct="1">
-              <a:defRPr sz="1800" kern="1200">
-                <a:solidFill>
-                  <a:schemeClr val="tx1"/>
-                </a:solidFill>
-                <a:latin typeface="+mn-lt"/>
-                <a:ea typeface="+mn-ea"/>
-                <a:cs typeface="+mn-cs"/>
-              </a:defRPr>
-            </a:lvl4pPr>
-            <a:lvl5pPr marL="1828800" algn="l" defTabSz="914400" rtl="0" eaLnBrk="1" latinLnBrk="0" hangingPunct="1">
-              <a:defRPr sz="1800" kern="1200">
-                <a:solidFill>
-                  <a:schemeClr val="tx1"/>
-                </a:solidFill>
-                <a:latin typeface="+mn-lt"/>
-                <a:ea typeface="+mn-ea"/>
-                <a:cs typeface="+mn-cs"/>
-              </a:defRPr>
-            </a:lvl5pPr>
-            <a:lvl6pPr marL="2286000" algn="l" defTabSz="914400" rtl="0" eaLnBrk="1" latinLnBrk="0" hangingPunct="1">
-              <a:defRPr sz="1800" kern="1200">
-                <a:solidFill>
-                  <a:schemeClr val="tx1"/>
-                </a:solidFill>
-                <a:latin typeface="+mn-lt"/>
-                <a:ea typeface="+mn-ea"/>
-                <a:cs typeface="+mn-cs"/>
-              </a:defRPr>
-            </a:lvl6pPr>
-            <a:lvl7pPr marL="2743200" algn="l" defTabSz="914400" rtl="0" eaLnBrk="1" latinLnBrk="0" hangingPunct="1">
-              <a:defRPr sz="1800" kern="1200">
-                <a:solidFill>
-                  <a:schemeClr val="tx1"/>
-                </a:solidFill>
-                <a:latin typeface="+mn-lt"/>
-                <a:ea typeface="+mn-ea"/>
-                <a:cs typeface="+mn-cs"/>
-              </a:defRPr>
-            </a:lvl7pPr>
-            <a:lvl8pPr marL="3200400" algn="l" defTabSz="914400" rtl="0" eaLnBrk="1" latinLnBrk="0" hangingPunct="1">
-              <a:defRPr sz="1800" kern="1200">
-                <a:solidFill>
-                  <a:schemeClr val="tx1"/>
-                </a:solidFill>
-                <a:latin typeface="+mn-lt"/>
-                <a:ea typeface="+mn-ea"/>
-                <a:cs typeface="+mn-cs"/>
-              </a:defRPr>
-            </a:lvl8pPr>
-            <a:lvl9pPr marL="3657600" algn="l" defTabSz="914400" rtl="0" eaLnBrk="1" latinLnBrk="0" hangingPunct="1">
-              <a:defRPr sz="1800" kern="1200">
-                <a:solidFill>
-                  <a:schemeClr val="tx1"/>
-                </a:solidFill>
-                <a:latin typeface="+mn-lt"/>
-                <a:ea typeface="+mn-ea"/>
-                <a:cs typeface="+mn-cs"/>
-              </a:defRPr>
-            </a:lvl9pPr>
-          </a:lstStyle>
-          <a:p>
-            <a:pPr>
-              <a:defRPr/>
-            </a:pPr>
-            <a:fld id="{FCEE2C88-6C8F-484D-AF69-578F576B1F44}" type="slidenum">
-              <a:rPr lang="en-US" smtClean="0">
-                <a:solidFill>
-                  <a:schemeClr val="tx1"/>
-                </a:solidFill>
-                <a:latin typeface="+mn-lt"/>
-                <a:cs typeface="+mn-ea"/>
-                <a:sym typeface="+mn-lt"/>
-              </a:rPr>
-              <a:pPr>
-                <a:defRPr/>
-              </a:pPr>
-              <a:t>4</a:t>
-            </a:fld>
-            <a:endParaRPr lang="en-US" dirty="0">
-              <a:solidFill>
-                <a:schemeClr val="tx1"/>
-              </a:solidFill>
-              <a:latin typeface="+mn-lt"/>
-              <a:cs typeface="+mn-ea"/>
-              <a:sym typeface="+mn-lt"/>
-            </a:endParaRPr>
-          </a:p>
-        </p:txBody>
-      </p:sp>
-      <p:sp>
-        <p:nvSpPr>
-          <p:cNvPr id="5" name="Text Placeholder 32"/>
-          <p:cNvSpPr txBox="1"/>
-          <p:nvPr/>
-        </p:nvSpPr>
-        <p:spPr>
-          <a:xfrm>
-            <a:off x="1298879" y="4125055"/>
-            <a:ext cx="2190156" cy="1900022"/>
-          </a:xfrm>
-          <a:prstGeom prst="rect">
-            <a:avLst/>
-          </a:prstGeom>
-        </p:spPr>
-        <p:txBody>
-          <a:bodyPr lIns="0" tIns="0" rIns="0" bIns="0">
+          <a:bodyPr lIns="0" tIns="0" rIns="0" bIns="0" anchor="t">
             <a:noAutofit/>
           </a:bodyPr>
           <a:lstStyle>
@@ -38660,7 +38605,7 @@
           </a:prstGeom>
         </p:spPr>
         <p:txBody>
-          <a:bodyPr lIns="0" tIns="0" rIns="0" bIns="0"/>
+          <a:bodyPr lIns="0" tIns="0" rIns="0" bIns="0" anchor="t"/>
           <a:lstStyle>
             <a:lvl1pPr marL="171450" indent="-171450" algn="l" defTabSz="685800" rtl="0" eaLnBrk="1" latinLnBrk="0" hangingPunct="1">
               <a:lnSpc>
@@ -38901,7 +38846,7 @@
           </a:fontRef>
         </p:style>
         <p:txBody>
-          <a:bodyPr rtlCol="0" anchor="ctr"/>
+          <a:bodyPr rtlCol="0" anchor="t"/>
           <a:lstStyle/>
           <a:p>
             <a:pPr marL="0" marR="0" lvl="0" indent="0" algn="ctr" defTabSz="914400" rtl="0" eaLnBrk="1" fontAlgn="auto" latinLnBrk="0" hangingPunct="1">
@@ -38978,7 +38923,7 @@
           </a:fontRef>
         </p:style>
         <p:txBody>
-          <a:bodyPr rtlCol="0" anchor="ctr"/>
+          <a:bodyPr rtlCol="0" anchor="t"/>
           <a:lstStyle/>
           <a:p>
             <a:pPr marL="0" marR="0" lvl="0" indent="0" algn="ctr" defTabSz="914400" rtl="0" eaLnBrk="1" fontAlgn="auto" latinLnBrk="0" hangingPunct="1">
@@ -39030,7 +38975,7 @@
           </a:prstGeom>
         </p:spPr>
         <p:txBody>
-          <a:bodyPr lIns="0" tIns="0" rIns="0" bIns="0"/>
+          <a:bodyPr lIns="0" tIns="0" rIns="0" bIns="0" anchor="t"/>
           <a:lstStyle>
             <a:lvl1pPr marL="171450" indent="-171450" algn="l" defTabSz="685800" rtl="0" eaLnBrk="1" latinLnBrk="0" hangingPunct="1">
               <a:lnSpc>
@@ -39525,7 +39470,7 @@
           </a:prstGeom>
         </p:spPr>
         <p:txBody>
-          <a:bodyPr lIns="0" tIns="0" rIns="0" bIns="0">
+          <a:bodyPr lIns="0" tIns="0" rIns="0" bIns="0" anchor="t">
             <a:noAutofit/>
           </a:bodyPr>
           <a:lstStyle>
@@ -39748,7 +39693,7 @@
           </a:prstGeom>
         </p:spPr>
         <p:txBody>
-          <a:bodyPr lIns="0" tIns="0" rIns="0" bIns="0"/>
+          <a:bodyPr lIns="0" tIns="0" rIns="0" bIns="0" anchor="t"/>
           <a:lstStyle>
             <a:lvl1pPr marL="171450" indent="-171450" algn="l" defTabSz="685800" rtl="0" eaLnBrk="1" latinLnBrk="0" hangingPunct="1">
               <a:lnSpc>
@@ -39989,7 +39934,7 @@
           </a:fontRef>
         </p:style>
         <p:txBody>
-          <a:bodyPr rtlCol="0" anchor="ctr"/>
+          <a:bodyPr rtlCol="0" anchor="t"/>
           <a:lstStyle/>
           <a:p>
             <a:pPr marL="0" marR="0" lvl="0" indent="0" algn="ctr" defTabSz="914400" rtl="0" eaLnBrk="1" fontAlgn="auto" latinLnBrk="0" hangingPunct="1">
@@ -40205,7 +40150,7 @@
           </a:ln>
         </p:spPr>
         <p:txBody>
-          <a:bodyPr/>
+          <a:bodyPr anchor="t"/>
           <a:lstStyle/>
           <a:p>
             <a:endParaRPr lang="zh-CN" altLang="zh-CN" dirty="0">
@@ -40231,7 +40176,7 @@
           </a:prstGeom>
         </p:spPr>
         <p:txBody>
-          <a:bodyPr lIns="0" tIns="0" rIns="0" bIns="0">
+          <a:bodyPr lIns="0" tIns="0" rIns="0" bIns="0" anchor="t">
             <a:noAutofit/>
           </a:bodyPr>
           <a:lstStyle>
@@ -40469,7 +40414,7 @@
           </a:fontRef>
         </p:style>
         <p:txBody>
-          <a:bodyPr rtlCol="0" anchor="ctr"/>
+          <a:bodyPr rtlCol="0" anchor="t"/>
           <a:lstStyle/>
           <a:p>
             <a:pPr marL="0" marR="0" lvl="0" indent="0" algn="ctr" defTabSz="914400" rtl="0" eaLnBrk="1" fontAlgn="auto" latinLnBrk="0" hangingPunct="1">
@@ -40521,7 +40466,7 @@
           </a:prstGeom>
         </p:spPr>
         <p:txBody>
-          <a:bodyPr lIns="0" tIns="0" rIns="0" bIns="0"/>
+          <a:bodyPr lIns="0" tIns="0" rIns="0" bIns="0" anchor="t"/>
           <a:lstStyle>
             <a:lvl1pPr marL="171450" indent="-171450" algn="l" defTabSz="685800" rtl="0" eaLnBrk="1" latinLnBrk="0" hangingPunct="1">
               <a:lnSpc>
@@ -41029,7 +40974,7 @@
           </a:prstGeom>
         </p:spPr>
         <p:txBody>
-          <a:bodyPr lIns="0" tIns="0" rIns="0" bIns="0">
+          <a:bodyPr lIns="0" tIns="0" rIns="0" bIns="0" anchor="t">
             <a:noAutofit/>
           </a:bodyPr>
           <a:lstStyle>
@@ -41294,7 +41239,7 @@
           </a:prstGeom>
         </p:spPr>
         <p:txBody>
-          <a:bodyPr/>
+          <a:bodyPr anchor="t"/>
           <a:lstStyle>
             <a:lvl1pPr marL="228600" indent="-228600" algn="l" defTabSz="914400" rtl="0" eaLnBrk="1" latinLnBrk="0" hangingPunct="1">
               <a:lnSpc>
@@ -41624,6 +41569,53 @@
           </a:prstGeom>
         </p:spPr>
       </p:pic>
+      <p:sp>
+        <p:nvSpPr>
+          <p:cNvPr id="8" name="投影片編號版面配置區 7">
+            <a:extLst>
+              <a:ext uri="{FF2B5EF4-FFF2-40B4-BE49-F238E27FC236}">
+                <a16:creationId xmlns:a16="http://schemas.microsoft.com/office/drawing/2014/main" id="{9D3B4E22-BAFA-45A5-B8E7-4FE5C1A7B3F3}"/>
+              </a:ext>
+            </a:extLst>
+          </p:cNvPr>
+          <p:cNvSpPr>
+            <a:spLocks noGrp="1"/>
+          </p:cNvSpPr>
+          <p:nvPr>
+            <p:ph type="sldNum" sz="quarter" idx="12"/>
+          </p:nvPr>
+        </p:nvSpPr>
+        <p:spPr/>
+        <p:txBody>
+          <a:bodyPr/>
+          <a:lstStyle/>
+          <a:p>
+            <a:pPr>
+              <a:defRPr/>
+            </a:pPr>
+            <a:fld id="{FCEE2C88-6C8F-484D-AF69-578F576B1F44}" type="slidenum">
+              <a:rPr lang="en-US" smtClean="0">
+                <a:solidFill>
+                  <a:prstClr val="white">
+                    <a:lumMod val="50000"/>
+                  </a:prstClr>
+                </a:solidFill>
+              </a:rPr>
+              <a:pPr>
+                <a:defRPr/>
+              </a:pPr>
+              <a:t>4</a:t>
+            </a:fld>
+            <a:endParaRPr lang="en-US" dirty="0">
+              <a:solidFill>
+                <a:prstClr val="white">
+                  <a:lumMod val="50000"/>
+                </a:prstClr>
+              </a:solidFill>
+            </a:endParaRPr>
+          </a:p>
+        </p:txBody>
+      </p:sp>
     </p:spTree>
     <p:extLst>
       <p:ext uri="{BB962C8B-B14F-4D97-AF65-F5344CB8AC3E}">
@@ -42128,36 +42120,6 @@
           <a:chExt cx="0" cy="0"/>
         </a:xfrm>
       </p:grpSpPr>
-      <p:sp>
-        <p:nvSpPr>
-          <p:cNvPr id="3" name="灯片编号占位符 1"/>
-          <p:cNvSpPr>
-            <a:spLocks noGrp="1"/>
-          </p:cNvSpPr>
-          <p:nvPr>
-            <p:ph type="sldNum" sz="quarter" idx="12"/>
-          </p:nvPr>
-        </p:nvSpPr>
-        <p:spPr>
-          <a:xfrm>
-            <a:off x="11471564" y="327460"/>
-            <a:ext cx="431078" cy="551865"/>
-          </a:xfrm>
-        </p:spPr>
-        <p:txBody>
-          <a:bodyPr/>
-          <a:lstStyle/>
-          <a:p>
-            <a:pPr lvl="0"/>
-            <a:fld id="{FCEE2C88-6C8F-484D-AF69-578F576B1F44}" type="slidenum">
-              <a:rPr lang="en-US" noProof="0" smtClean="0"/>
-              <a:pPr lvl="0"/>
-              <a:t>6</a:t>
-            </a:fld>
-            <a:endParaRPr lang="en-US" noProof="0" dirty="0"/>
-          </a:p>
-        </p:txBody>
-      </p:sp>
       <p:sp>
         <p:nvSpPr>
           <p:cNvPr id="4" name="Text Placeholder 32"/>
@@ -44642,6 +44604,58 @@
           </a:p>
         </p:txBody>
       </p:sp>
+      <p:sp>
+        <p:nvSpPr>
+          <p:cNvPr id="7" name="投影片編號版面配置區 6">
+            <a:extLst>
+              <a:ext uri="{FF2B5EF4-FFF2-40B4-BE49-F238E27FC236}">
+                <a16:creationId xmlns:a16="http://schemas.microsoft.com/office/drawing/2014/main" id="{DF71550E-76F4-492F-93EA-CBF213E59E2D}"/>
+              </a:ext>
+            </a:extLst>
+          </p:cNvPr>
+          <p:cNvSpPr>
+            <a:spLocks noGrp="1"/>
+          </p:cNvSpPr>
+          <p:nvPr>
+            <p:ph type="sldNum" sz="quarter" idx="12"/>
+          </p:nvPr>
+        </p:nvSpPr>
+        <p:spPr>
+          <a:xfrm>
+            <a:off x="11508729" y="462503"/>
+            <a:ext cx="431078" cy="210597"/>
+          </a:xfrm>
+        </p:spPr>
+        <p:txBody>
+          <a:bodyPr/>
+          <a:lstStyle/>
+          <a:p>
+            <a:pPr>
+              <a:defRPr/>
+            </a:pPr>
+            <a:fld id="{FCEE2C88-6C8F-484D-AF69-578F576B1F44}" type="slidenum">
+              <a:rPr lang="en-US" smtClean="0">
+                <a:solidFill>
+                  <a:prstClr val="white">
+                    <a:lumMod val="50000"/>
+                  </a:prstClr>
+                </a:solidFill>
+              </a:rPr>
+              <a:pPr>
+                <a:defRPr/>
+              </a:pPr>
+              <a:t>6</a:t>
+            </a:fld>
+            <a:endParaRPr lang="en-US" dirty="0">
+              <a:solidFill>
+                <a:prstClr val="white">
+                  <a:lumMod val="50000"/>
+                </a:prstClr>
+              </a:solidFill>
+            </a:endParaRPr>
+          </a:p>
+        </p:txBody>
+      </p:sp>
     </p:spTree>
     <p:extLst>
       <p:ext uri="{BB962C8B-B14F-4D97-AF65-F5344CB8AC3E}">
@@ -45167,38 +45181,6 @@
       </p:sp>
       <p:sp>
         <p:nvSpPr>
-          <p:cNvPr id="2" name="Slide Number Placeholder 3"/>
-          <p:cNvSpPr>
-            <a:spLocks noGrp="1"/>
-          </p:cNvSpPr>
-          <p:nvPr>
-            <p:ph type="sldNum" sz="quarter" idx="12"/>
-          </p:nvPr>
-        </p:nvSpPr>
-        <p:spPr/>
-        <p:txBody>
-          <a:bodyPr/>
-          <a:lstStyle/>
-          <a:p>
-            <a:fld id="{FCEE2C88-6C8F-484D-AF69-578F576B1F44}" type="slidenum">
-              <a:rPr lang="en-US" smtClean="0">
-                <a:latin typeface="+mn-lt"/>
-                <a:cs typeface="+mn-ea"/>
-                <a:sym typeface="+mn-lt"/>
-              </a:rPr>
-              <a:pPr/>
-              <a:t>8</a:t>
-            </a:fld>
-            <a:endParaRPr lang="en-US" dirty="0">
-              <a:latin typeface="+mn-lt"/>
-              <a:cs typeface="+mn-ea"/>
-              <a:sym typeface="+mn-lt"/>
-            </a:endParaRPr>
-          </a:p>
-        </p:txBody>
-      </p:sp>
-      <p:sp>
-        <p:nvSpPr>
           <p:cNvPr id="3" name="Rectangle 37"/>
           <p:cNvSpPr/>
           <p:nvPr/>
@@ -46923,6 +46905,53 @@
           </a:p>
         </p:txBody>
       </p:sp>
+      <p:sp>
+        <p:nvSpPr>
+          <p:cNvPr id="13" name="投影片編號版面配置區 12">
+            <a:extLst>
+              <a:ext uri="{FF2B5EF4-FFF2-40B4-BE49-F238E27FC236}">
+                <a16:creationId xmlns:a16="http://schemas.microsoft.com/office/drawing/2014/main" id="{6C23B9B5-DC16-432E-968A-71E44BFF2A44}"/>
+              </a:ext>
+            </a:extLst>
+          </p:cNvPr>
+          <p:cNvSpPr>
+            <a:spLocks noGrp="1"/>
+          </p:cNvSpPr>
+          <p:nvPr>
+            <p:ph type="sldNum" sz="quarter" idx="12"/>
+          </p:nvPr>
+        </p:nvSpPr>
+        <p:spPr/>
+        <p:txBody>
+          <a:bodyPr/>
+          <a:lstStyle/>
+          <a:p>
+            <a:pPr>
+              <a:defRPr/>
+            </a:pPr>
+            <a:fld id="{FCEE2C88-6C8F-484D-AF69-578F576B1F44}" type="slidenum">
+              <a:rPr lang="en-US" smtClean="0">
+                <a:solidFill>
+                  <a:prstClr val="white">
+                    <a:lumMod val="50000"/>
+                  </a:prstClr>
+                </a:solidFill>
+              </a:rPr>
+              <a:pPr>
+                <a:defRPr/>
+              </a:pPr>
+              <a:t>8</a:t>
+            </a:fld>
+            <a:endParaRPr lang="en-US" dirty="0">
+              <a:solidFill>
+                <a:prstClr val="white">
+                  <a:lumMod val="50000"/>
+                </a:prstClr>
+              </a:solidFill>
+            </a:endParaRPr>
+          </a:p>
+        </p:txBody>
+      </p:sp>
     </p:spTree>
     <p:extLst>
       <p:ext uri="{BB962C8B-B14F-4D97-AF65-F5344CB8AC3E}">
@@ -46969,38 +46998,6 @@
           <a:lstStyle/>
           <a:p>
             <a:endParaRPr lang="zh-CN" altLang="en-US"/>
-          </a:p>
-        </p:txBody>
-      </p:sp>
-      <p:sp>
-        <p:nvSpPr>
-          <p:cNvPr id="2" name="Slide Number Placeholder 3"/>
-          <p:cNvSpPr>
-            <a:spLocks noGrp="1"/>
-          </p:cNvSpPr>
-          <p:nvPr>
-            <p:ph type="sldNum" sz="quarter" idx="12"/>
-          </p:nvPr>
-        </p:nvSpPr>
-        <p:spPr/>
-        <p:txBody>
-          <a:bodyPr/>
-          <a:lstStyle/>
-          <a:p>
-            <a:fld id="{FCEE2C88-6C8F-484D-AF69-578F576B1F44}" type="slidenum">
-              <a:rPr lang="en-US" smtClean="0">
-                <a:latin typeface="+mn-lt"/>
-                <a:cs typeface="+mn-ea"/>
-                <a:sym typeface="+mn-lt"/>
-              </a:rPr>
-              <a:pPr/>
-              <a:t>9</a:t>
-            </a:fld>
-            <a:endParaRPr lang="en-US" dirty="0">
-              <a:latin typeface="+mn-lt"/>
-              <a:cs typeface="+mn-ea"/>
-              <a:sym typeface="+mn-lt"/>
-            </a:endParaRPr>
           </a:p>
         </p:txBody>
       </p:sp>
@@ -48718,6 +48715,53 @@
               <a:uFillTx/>
               <a:cs typeface="+mn-ea"/>
               <a:sym typeface="+mn-lt"/>
+            </a:endParaRPr>
+          </a:p>
+        </p:txBody>
+      </p:sp>
+      <p:sp>
+        <p:nvSpPr>
+          <p:cNvPr id="13" name="投影片編號版面配置區 12">
+            <a:extLst>
+              <a:ext uri="{FF2B5EF4-FFF2-40B4-BE49-F238E27FC236}">
+                <a16:creationId xmlns:a16="http://schemas.microsoft.com/office/drawing/2014/main" id="{D1BB3BDF-7B86-4347-90C8-AA12523C9C94}"/>
+              </a:ext>
+            </a:extLst>
+          </p:cNvPr>
+          <p:cNvSpPr>
+            <a:spLocks noGrp="1"/>
+          </p:cNvSpPr>
+          <p:nvPr>
+            <p:ph type="sldNum" sz="quarter" idx="12"/>
+          </p:nvPr>
+        </p:nvSpPr>
+        <p:spPr/>
+        <p:txBody>
+          <a:bodyPr/>
+          <a:lstStyle/>
+          <a:p>
+            <a:pPr>
+              <a:defRPr/>
+            </a:pPr>
+            <a:fld id="{FCEE2C88-6C8F-484D-AF69-578F576B1F44}" type="slidenum">
+              <a:rPr lang="en-US" smtClean="0">
+                <a:solidFill>
+                  <a:prstClr val="white">
+                    <a:lumMod val="50000"/>
+                  </a:prstClr>
+                </a:solidFill>
+              </a:rPr>
+              <a:pPr>
+                <a:defRPr/>
+              </a:pPr>
+              <a:t>9</a:t>
+            </a:fld>
+            <a:endParaRPr lang="en-US" dirty="0">
+              <a:solidFill>
+                <a:prstClr val="white">
+                  <a:lumMod val="50000"/>
+                </a:prstClr>
+              </a:solidFill>
             </a:endParaRPr>
           </a:p>
         </p:txBody>
@@ -49429,4 +49473,299 @@
     </a:ext>
   </a:extLst>
 </a:theme>
+</file>
+
+<file path=ppt/theme/theme4.xml><?xml version="1.0" encoding="utf-8"?>
+<a:theme xmlns:a="http://schemas.openxmlformats.org/drawingml/2006/main" name="Office 佈景主題">
+  <a:themeElements>
+    <a:clrScheme name="Office">
+      <a:dk1>
+        <a:sysClr val="windowText" lastClr="000000"/>
+      </a:dk1>
+      <a:lt1>
+        <a:sysClr val="window" lastClr="FFFFFF"/>
+      </a:lt1>
+      <a:dk2>
+        <a:srgbClr val="44546A"/>
+      </a:dk2>
+      <a:lt2>
+        <a:srgbClr val="E7E6E6"/>
+      </a:lt2>
+      <a:accent1>
+        <a:srgbClr val="4472C4"/>
+      </a:accent1>
+      <a:accent2>
+        <a:srgbClr val="ED7D31"/>
+      </a:accent2>
+      <a:accent3>
+        <a:srgbClr val="A5A5A5"/>
+      </a:accent3>
+      <a:accent4>
+        <a:srgbClr val="FFC000"/>
+      </a:accent4>
+      <a:accent5>
+        <a:srgbClr val="5B9BD5"/>
+      </a:accent5>
+      <a:accent6>
+        <a:srgbClr val="70AD47"/>
+      </a:accent6>
+      <a:hlink>
+        <a:srgbClr val="0563C1"/>
+      </a:hlink>
+      <a:folHlink>
+        <a:srgbClr val="954F72"/>
+      </a:folHlink>
+    </a:clrScheme>
+    <a:fontScheme name="Office">
+      <a:majorFont>
+        <a:latin typeface="Calibri Light" panose="020F0302020204030204"/>
+        <a:ea typeface=""/>
+        <a:cs typeface=""/>
+        <a:font script="Jpan" typeface="游ゴシック Light"/>
+        <a:font script="Hang" typeface="맑은 고딕"/>
+        <a:font script="Hans" typeface="等线 Light"/>
+        <a:font script="Hant" typeface="新細明體"/>
+        <a:font script="Arab" typeface="Times New Roman"/>
+        <a:font script="Hebr" typeface="Times New Roman"/>
+        <a:font script="Thai" typeface="Angsana New"/>
+        <a:font script="Ethi" typeface="Nyala"/>
+        <a:font script="Beng" typeface="Vrinda"/>
+        <a:font script="Gujr" typeface="Shruti"/>
+        <a:font script="Khmr" typeface="MoolBoran"/>
+        <a:font script="Knda" typeface="Tunga"/>
+        <a:font script="Guru" typeface="Raavi"/>
+        <a:font script="Cans" typeface="Euphemia"/>
+        <a:font script="Cher" typeface="Plantagenet Cherokee"/>
+        <a:font script="Yiii" typeface="Microsoft Yi Baiti"/>
+        <a:font script="Tibt" typeface="Microsoft Himalaya"/>
+        <a:font script="Thaa" typeface="MV Boli"/>
+        <a:font script="Deva" typeface="Mangal"/>
+        <a:font script="Telu" typeface="Gautami"/>
+        <a:font script="Taml" typeface="Latha"/>
+        <a:font script="Syrc" typeface="Estrangelo Edessa"/>
+        <a:font script="Orya" typeface="Kalinga"/>
+        <a:font script="Mlym" typeface="Kartika"/>
+        <a:font script="Laoo" typeface="DokChampa"/>
+        <a:font script="Sinh" typeface="Iskoola Pota"/>
+        <a:font script="Mong" typeface="Mongolian Baiti"/>
+        <a:font script="Viet" typeface="Times New Roman"/>
+        <a:font script="Uigh" typeface="Microsoft Uighur"/>
+        <a:font script="Geor" typeface="Sylfaen"/>
+        <a:font script="Armn" typeface="Arial"/>
+        <a:font script="Bugi" typeface="Leelawadee UI"/>
+        <a:font script="Bopo" typeface="Microsoft JhengHei"/>
+        <a:font script="Java" typeface="Javanese Text"/>
+        <a:font script="Lisu" typeface="Segoe UI"/>
+        <a:font script="Mymr" typeface="Myanmar Text"/>
+        <a:font script="Nkoo" typeface="Ebrima"/>
+        <a:font script="Olck" typeface="Nirmala UI"/>
+        <a:font script="Osma" typeface="Ebrima"/>
+        <a:font script="Phag" typeface="Phagspa"/>
+        <a:font script="Syrn" typeface="Estrangelo Edessa"/>
+        <a:font script="Syrj" typeface="Estrangelo Edessa"/>
+        <a:font script="Syre" typeface="Estrangelo Edessa"/>
+        <a:font script="Sora" typeface="Nirmala UI"/>
+        <a:font script="Tale" typeface="Microsoft Tai Le"/>
+        <a:font script="Talu" typeface="Microsoft New Tai Lue"/>
+        <a:font script="Tfng" typeface="Ebrima"/>
+      </a:majorFont>
+      <a:minorFont>
+        <a:latin typeface="Calibri" panose="020F0502020204030204"/>
+        <a:ea typeface=""/>
+        <a:cs typeface=""/>
+        <a:font script="Jpan" typeface="游ゴシック"/>
+        <a:font script="Hang" typeface="맑은 고딕"/>
+        <a:font script="Hans" typeface="等线"/>
+        <a:font script="Hant" typeface="新細明體"/>
+        <a:font script="Arab" typeface="Arial"/>
+        <a:font script="Hebr" typeface="Arial"/>
+        <a:font script="Thai" typeface="Cordia New"/>
+        <a:font script="Ethi" typeface="Nyala"/>
+        <a:font script="Beng" typeface="Vrinda"/>
+        <a:font script="Gujr" typeface="Shruti"/>
+        <a:font script="Khmr" typeface="DaunPenh"/>
+        <a:font script="Knda" typeface="Tunga"/>
+        <a:font script="Guru" typeface="Raavi"/>
+        <a:font script="Cans" typeface="Euphemia"/>
+        <a:font script="Cher" typeface="Plantagenet Cherokee"/>
+        <a:font script="Yiii" typeface="Microsoft Yi Baiti"/>
+        <a:font script="Tibt" typeface="Microsoft Himalaya"/>
+        <a:font script="Thaa" typeface="MV Boli"/>
+        <a:font script="Deva" typeface="Mangal"/>
+        <a:font script="Telu" typeface="Gautami"/>
+        <a:font script="Taml" typeface="Latha"/>
+        <a:font script="Syrc" typeface="Estrangelo Edessa"/>
+        <a:font script="Orya" typeface="Kalinga"/>
+        <a:font script="Mlym" typeface="Kartika"/>
+        <a:font script="Laoo" typeface="DokChampa"/>
+        <a:font script="Sinh" typeface="Iskoola Pota"/>
+        <a:font script="Mong" typeface="Mongolian Baiti"/>
+        <a:font script="Viet" typeface="Arial"/>
+        <a:font script="Uigh" typeface="Microsoft Uighur"/>
+        <a:font script="Geor" typeface="Sylfaen"/>
+        <a:font script="Armn" typeface="Arial"/>
+        <a:font script="Bugi" typeface="Leelawadee UI"/>
+        <a:font script="Bopo" typeface="Microsoft JhengHei"/>
+        <a:font script="Java" typeface="Javanese Text"/>
+        <a:font script="Lisu" typeface="Segoe UI"/>
+        <a:font script="Mymr" typeface="Myanmar Text"/>
+        <a:font script="Nkoo" typeface="Ebrima"/>
+        <a:font script="Olck" typeface="Nirmala UI"/>
+        <a:font script="Osma" typeface="Ebrima"/>
+        <a:font script="Phag" typeface="Phagspa"/>
+        <a:font script="Syrn" typeface="Estrangelo Edessa"/>
+        <a:font script="Syrj" typeface="Estrangelo Edessa"/>
+        <a:font script="Syre" typeface="Estrangelo Edessa"/>
+        <a:font script="Sora" typeface="Nirmala UI"/>
+        <a:font script="Tale" typeface="Microsoft Tai Le"/>
+        <a:font script="Talu" typeface="Microsoft New Tai Lue"/>
+        <a:font script="Tfng" typeface="Ebrima"/>
+      </a:minorFont>
+    </a:fontScheme>
+    <a:fmtScheme name="Office">
+      <a:fillStyleLst>
+        <a:solidFill>
+          <a:schemeClr val="phClr"/>
+        </a:solidFill>
+        <a:gradFill rotWithShape="1">
+          <a:gsLst>
+            <a:gs pos="0">
+              <a:schemeClr val="phClr">
+                <a:lumMod val="110000"/>
+                <a:satMod val="105000"/>
+                <a:tint val="67000"/>
+              </a:schemeClr>
+            </a:gs>
+            <a:gs pos="50000">
+              <a:schemeClr val="phClr">
+                <a:lumMod val="105000"/>
+                <a:satMod val="103000"/>
+                <a:tint val="73000"/>
+              </a:schemeClr>
+            </a:gs>
+            <a:gs pos="100000">
+              <a:schemeClr val="phClr">
+                <a:lumMod val="105000"/>
+                <a:satMod val="109000"/>
+                <a:tint val="81000"/>
+              </a:schemeClr>
+            </a:gs>
+          </a:gsLst>
+          <a:lin ang="5400000" scaled="0"/>
+        </a:gradFill>
+        <a:gradFill rotWithShape="1">
+          <a:gsLst>
+            <a:gs pos="0">
+              <a:schemeClr val="phClr">
+                <a:satMod val="103000"/>
+                <a:lumMod val="102000"/>
+                <a:tint val="94000"/>
+              </a:schemeClr>
+            </a:gs>
+            <a:gs pos="50000">
+              <a:schemeClr val="phClr">
+                <a:satMod val="110000"/>
+                <a:lumMod val="100000"/>
+                <a:shade val="100000"/>
+              </a:schemeClr>
+            </a:gs>
+            <a:gs pos="100000">
+              <a:schemeClr val="phClr">
+                <a:lumMod val="99000"/>
+                <a:satMod val="120000"/>
+                <a:shade val="78000"/>
+              </a:schemeClr>
+            </a:gs>
+          </a:gsLst>
+          <a:lin ang="5400000" scaled="0"/>
+        </a:gradFill>
+      </a:fillStyleLst>
+      <a:lnStyleLst>
+        <a:ln w="6350" cap="flat" cmpd="sng" algn="ctr">
+          <a:solidFill>
+            <a:schemeClr val="phClr"/>
+          </a:solidFill>
+          <a:prstDash val="solid"/>
+          <a:miter lim="800000"/>
+        </a:ln>
+        <a:ln w="12700" cap="flat" cmpd="sng" algn="ctr">
+          <a:solidFill>
+            <a:schemeClr val="phClr"/>
+          </a:solidFill>
+          <a:prstDash val="solid"/>
+          <a:miter lim="800000"/>
+        </a:ln>
+        <a:ln w="19050" cap="flat" cmpd="sng" algn="ctr">
+          <a:solidFill>
+            <a:schemeClr val="phClr"/>
+          </a:solidFill>
+          <a:prstDash val="solid"/>
+          <a:miter lim="800000"/>
+        </a:ln>
+      </a:lnStyleLst>
+      <a:effectStyleLst>
+        <a:effectStyle>
+          <a:effectLst/>
+        </a:effectStyle>
+        <a:effectStyle>
+          <a:effectLst/>
+        </a:effectStyle>
+        <a:effectStyle>
+          <a:effectLst>
+            <a:outerShdw blurRad="57150" dist="19050" dir="5400000" algn="ctr" rotWithShape="0">
+              <a:srgbClr val="000000">
+                <a:alpha val="63000"/>
+              </a:srgbClr>
+            </a:outerShdw>
+          </a:effectLst>
+        </a:effectStyle>
+      </a:effectStyleLst>
+      <a:bgFillStyleLst>
+        <a:solidFill>
+          <a:schemeClr val="phClr"/>
+        </a:solidFill>
+        <a:solidFill>
+          <a:schemeClr val="phClr">
+            <a:tint val="95000"/>
+            <a:satMod val="170000"/>
+          </a:schemeClr>
+        </a:solidFill>
+        <a:gradFill rotWithShape="1">
+          <a:gsLst>
+            <a:gs pos="0">
+              <a:schemeClr val="phClr">
+                <a:tint val="93000"/>
+                <a:satMod val="150000"/>
+                <a:shade val="98000"/>
+                <a:lumMod val="102000"/>
+              </a:schemeClr>
+            </a:gs>
+            <a:gs pos="50000">
+              <a:schemeClr val="phClr">
+                <a:tint val="98000"/>
+                <a:satMod val="130000"/>
+                <a:shade val="90000"/>
+                <a:lumMod val="103000"/>
+              </a:schemeClr>
+            </a:gs>
+            <a:gs pos="100000">
+              <a:schemeClr val="phClr">
+                <a:shade val="63000"/>
+                <a:satMod val="120000"/>
+              </a:schemeClr>
+            </a:gs>
+          </a:gsLst>
+          <a:lin ang="5400000" scaled="0"/>
+        </a:gradFill>
+      </a:bgFillStyleLst>
+    </a:fmtScheme>
+  </a:themeElements>
+  <a:objectDefaults/>
+  <a:extraClrSchemeLst/>
+  <a:extLst>
+    <a:ext uri="{05A4C25C-085E-4340-85A3-A5531E510DB2}">
+      <thm15:themeFamily xmlns:thm15="http://schemas.microsoft.com/office/thememl/2012/main" name="Office Theme" id="{62F939B6-93AF-4DB8-9C6B-D6C7DFDC589F}" vid="{4A3C46E8-61CC-4603-A589-7422A47A8E4A}"/>
+    </a:ext>
+  </a:extLst>
+</a:theme>
 </file>
--- a/operating_system final project.pptx
+++ b/operating_system final project.pptx
@@ -228,7 +228,7 @@
           <a:p>
             <a:fld id="{5250295A-D548-463D-A0FB-7869A4CA0027}" type="datetimeFigureOut">
               <a:rPr lang="zh-CN" altLang="en-US" smtClean="0"/>
-              <a:t>2021/1/2</a:t>
+              <a:t>2021/1/4</a:t>
             </a:fld>
             <a:endParaRPr lang="zh-CN" altLang="en-US"/>
           </a:p>
@@ -668,7 +668,7 @@
           <a:p>
             <a:fld id="{142B6578-AAF6-4D63-A545-F6C311EB50A4}" type="datetimeFigureOut">
               <a:rPr lang="zh-CN" altLang="en-US" smtClean="0"/>
-              <a:t>2021/1/2</a:t>
+              <a:t>2021/1/4</a:t>
             </a:fld>
             <a:endParaRPr lang="zh-CN" altLang="en-US"/>
           </a:p>
@@ -1537,7 +1537,7 @@
           <a:p>
             <a:fld id="{142B6578-AAF6-4D63-A545-F6C311EB50A4}" type="datetimeFigureOut">
               <a:rPr lang="zh-CN" altLang="en-US" smtClean="0"/>
-              <a:t>2021/1/2</a:t>
+              <a:t>2021/1/4</a:t>
             </a:fld>
             <a:endParaRPr lang="zh-CN" altLang="en-US"/>
           </a:p>
@@ -14706,7 +14706,7 @@
         </p:nvSpPr>
         <p:spPr>
           <a:xfrm>
-            <a:off x="474452" y="3971709"/>
+            <a:off x="481126" y="3971709"/>
             <a:ext cx="10584611" cy="2339102"/>
           </a:xfrm>
           <a:prstGeom prst="rect">
@@ -15050,7 +15050,7 @@
         <p:spPr>
           <a:xfrm>
             <a:off x="405442" y="974785"/>
-            <a:ext cx="11568022" cy="5779697"/>
+            <a:ext cx="11568022" cy="2862322"/>
           </a:xfrm>
           <a:prstGeom prst="rect">
             <a:avLst/>
@@ -15063,7 +15063,290 @@
           </a:bodyPr>
           <a:lstStyle/>
           <a:p>
-            <a:endParaRPr lang="zh-TW" altLang="en-US" dirty="0"/>
+            <a:r>
+              <a:rPr lang="zh-TW" altLang="en-US" sz="1800" dirty="0">
+                <a:latin typeface="標楷體" panose="03000509000000000000" pitchFamily="65" charset="-120"/>
+                <a:ea typeface="標楷體" panose="03000509000000000000" pitchFamily="65" charset="-120"/>
+              </a:rPr>
+              <a:t>●</a:t>
+            </a:r>
+            <a:r>
+              <a:rPr lang="zh-TW" altLang="en-US" dirty="0">
+                <a:latin typeface="標楷體" panose="03000509000000000000" pitchFamily="65" charset="-120"/>
+                <a:ea typeface="標楷體" panose="03000509000000000000" pitchFamily="65" charset="-120"/>
+              </a:rPr>
+              <a:t>實作心得</a:t>
+            </a:r>
+            <a:r>
+              <a:rPr lang="en-US" altLang="zh-TW" dirty="0">
+                <a:latin typeface="標楷體" panose="03000509000000000000" pitchFamily="65" charset="-120"/>
+                <a:ea typeface="標楷體" panose="03000509000000000000" pitchFamily="65" charset="-120"/>
+              </a:rPr>
+              <a:t>:</a:t>
+            </a:r>
+          </a:p>
+          <a:p>
+            <a:r>
+              <a:rPr lang="zh-TW" altLang="en-US" dirty="0">
+                <a:latin typeface="標楷體" panose="03000509000000000000" pitchFamily="65" charset="-120"/>
+                <a:ea typeface="標楷體" panose="03000509000000000000" pitchFamily="65" charset="-120"/>
+              </a:rPr>
+              <a:t>    經由此次的期末作業，重新複習起了久未練習的</a:t>
+            </a:r>
+            <a:r>
+              <a:rPr lang="en-US" altLang="zh-TW" dirty="0">
+                <a:latin typeface="標楷體" panose="03000509000000000000" pitchFamily="65" charset="-120"/>
+                <a:ea typeface="標楷體" panose="03000509000000000000" pitchFamily="65" charset="-120"/>
+              </a:rPr>
+              <a:t>Android</a:t>
+            </a:r>
+            <a:r>
+              <a:rPr lang="zh-TW" altLang="en-US" dirty="0">
+                <a:latin typeface="標楷體" panose="03000509000000000000" pitchFamily="65" charset="-120"/>
+                <a:ea typeface="標楷體" panose="03000509000000000000" pitchFamily="65" charset="-120"/>
+              </a:rPr>
+              <a:t> </a:t>
+            </a:r>
+            <a:r>
+              <a:rPr lang="en-US" altLang="zh-TW" dirty="0">
+                <a:latin typeface="標楷體" panose="03000509000000000000" pitchFamily="65" charset="-120"/>
+                <a:ea typeface="標楷體" panose="03000509000000000000" pitchFamily="65" charset="-120"/>
+              </a:rPr>
+              <a:t>Studio</a:t>
+            </a:r>
+            <a:r>
+              <a:rPr lang="zh-TW" altLang="en-US" dirty="0">
+                <a:latin typeface="標楷體" panose="03000509000000000000" pitchFamily="65" charset="-120"/>
+                <a:ea typeface="標楷體" panose="03000509000000000000" pitchFamily="65" charset="-120"/>
+              </a:rPr>
+              <a:t>，由於生疏許多語法內容多要再上網查找，但經由大學時期與現在的磨練，若與大學時期相比，許多設計思維與邏輯架構都比以往的自己都要來的清晰，這也再次驗證了不同程式語言或許在語法上會有些許不同，但只要邏輯思維正確與概念清晰，都能夠很快的熟悉。</a:t>
+            </a:r>
+            <a:endParaRPr lang="en-US" altLang="zh-TW" dirty="0">
+              <a:latin typeface="標楷體" panose="03000509000000000000" pitchFamily="65" charset="-120"/>
+              <a:ea typeface="標楷體" panose="03000509000000000000" pitchFamily="65" charset="-120"/>
+            </a:endParaRPr>
+          </a:p>
+          <a:p>
+            <a:r>
+              <a:rPr lang="zh-TW" altLang="en-US" dirty="0">
+                <a:latin typeface="標楷體" panose="03000509000000000000" pitchFamily="65" charset="-120"/>
+                <a:ea typeface="標楷體" panose="03000509000000000000" pitchFamily="65" charset="-120"/>
+              </a:rPr>
+              <a:t>    此次的設計裡面便是由自我的需求而起，現今</a:t>
+            </a:r>
+            <a:r>
+              <a:rPr lang="en-US" altLang="zh-TW" dirty="0">
+                <a:latin typeface="標楷體" panose="03000509000000000000" pitchFamily="65" charset="-120"/>
+                <a:ea typeface="標楷體" panose="03000509000000000000" pitchFamily="65" charset="-120"/>
+              </a:rPr>
+              <a:t>App</a:t>
+            </a:r>
+            <a:r>
+              <a:rPr lang="zh-TW" altLang="en-US" dirty="0">
+                <a:latin typeface="標楷體" panose="03000509000000000000" pitchFamily="65" charset="-120"/>
+                <a:ea typeface="標楷體" panose="03000509000000000000" pitchFamily="65" charset="-120"/>
+              </a:rPr>
+              <a:t>市場如紅海，多如牛毛，但真正實用的</a:t>
+            </a:r>
+            <a:r>
+              <a:rPr lang="en-US" altLang="zh-TW" dirty="0">
+                <a:latin typeface="標楷體" panose="03000509000000000000" pitchFamily="65" charset="-120"/>
+                <a:ea typeface="標楷體" panose="03000509000000000000" pitchFamily="65" charset="-120"/>
+              </a:rPr>
+              <a:t>App</a:t>
+            </a:r>
+            <a:r>
+              <a:rPr lang="zh-TW" altLang="en-US" dirty="0">
+                <a:latin typeface="標楷體" panose="03000509000000000000" pitchFamily="65" charset="-120"/>
+                <a:ea typeface="標楷體" panose="03000509000000000000" pitchFamily="65" charset="-120"/>
+              </a:rPr>
+              <a:t>卻屈指可數，卻很少有人去設法將其整合成一個模組化的介面，因此在此次的作業內容中，我們的目標便是將學生使用頻繁之軟體做結合。</a:t>
+            </a:r>
+            <a:endParaRPr lang="en-US" altLang="zh-TW" dirty="0">
+              <a:latin typeface="標楷體" panose="03000509000000000000" pitchFamily="65" charset="-120"/>
+              <a:ea typeface="標楷體" panose="03000509000000000000" pitchFamily="65" charset="-120"/>
+            </a:endParaRPr>
+          </a:p>
+          <a:p>
+            <a:r>
+              <a:rPr lang="zh-TW" altLang="en-US" dirty="0">
+                <a:latin typeface="標楷體" panose="03000509000000000000" pitchFamily="65" charset="-120"/>
+                <a:ea typeface="標楷體" panose="03000509000000000000" pitchFamily="65" charset="-120"/>
+              </a:rPr>
+              <a:t>    在實作的過程中，有遇到與大學時期相同的問題，但在此次都將問題迎刃而解，也可視為是自己真的有所成長，並且對於</a:t>
+            </a:r>
+            <a:r>
+              <a:rPr lang="en-US" altLang="zh-TW" dirty="0">
+                <a:latin typeface="標楷體" panose="03000509000000000000" pitchFamily="65" charset="-120"/>
+                <a:ea typeface="標楷體" panose="03000509000000000000" pitchFamily="65" charset="-120"/>
+              </a:rPr>
+              <a:t>SQ</a:t>
+            </a:r>
+            <a:r>
+              <a:rPr lang="zh-TW" altLang="en-US" dirty="0">
+                <a:latin typeface="標楷體" panose="03000509000000000000" pitchFamily="65" charset="-120"/>
+                <a:ea typeface="標楷體" panose="03000509000000000000" pitchFamily="65" charset="-120"/>
+              </a:rPr>
+              <a:t> </a:t>
+            </a:r>
+            <a:r>
+              <a:rPr lang="en-US" altLang="zh-TW" dirty="0">
+                <a:latin typeface="標楷體" panose="03000509000000000000" pitchFamily="65" charset="-120"/>
+                <a:ea typeface="標楷體" panose="03000509000000000000" pitchFamily="65" charset="-120"/>
+              </a:rPr>
+              <a:t>Lite</a:t>
+            </a:r>
+            <a:r>
+              <a:rPr lang="zh-TW" altLang="en-US" dirty="0">
+                <a:latin typeface="標楷體" panose="03000509000000000000" pitchFamily="65" charset="-120"/>
+                <a:ea typeface="標楷體" panose="03000509000000000000" pitchFamily="65" charset="-120"/>
+              </a:rPr>
+              <a:t> 的語法結構有了更進一步的認識，相信在不久的將來便可將學習的過程與內容化作養分，用於將來的研究上。</a:t>
+            </a:r>
+            <a:endParaRPr lang="en-US" altLang="zh-TW" dirty="0">
+              <a:latin typeface="標楷體" panose="03000509000000000000" pitchFamily="65" charset="-120"/>
+              <a:ea typeface="標楷體" panose="03000509000000000000" pitchFamily="65" charset="-120"/>
+            </a:endParaRPr>
+          </a:p>
+        </p:txBody>
+      </p:sp>
+      <p:sp>
+        <p:nvSpPr>
+          <p:cNvPr id="6" name="文字方塊 5">
+            <a:extLst>
+              <a:ext uri="{FF2B5EF4-FFF2-40B4-BE49-F238E27FC236}">
+                <a16:creationId xmlns:a16="http://schemas.microsoft.com/office/drawing/2014/main" id="{FFB4D412-21C0-4CF3-AE66-61932D83F790}"/>
+              </a:ext>
+            </a:extLst>
+          </p:cNvPr>
+          <p:cNvSpPr txBox="1"/>
+          <p:nvPr/>
+        </p:nvSpPr>
+        <p:spPr>
+          <a:xfrm>
+            <a:off x="405442" y="3885849"/>
+            <a:ext cx="11568022" cy="2585323"/>
+          </a:xfrm>
+          <a:prstGeom prst="rect">
+            <a:avLst/>
+          </a:prstGeom>
+          <a:noFill/>
+        </p:spPr>
+        <p:txBody>
+          <a:bodyPr wrap="square" rtlCol="0">
+            <a:spAutoFit/>
+          </a:bodyPr>
+          <a:lstStyle/>
+          <a:p>
+            <a:r>
+              <a:rPr lang="zh-TW" altLang="en-US" sz="1800" dirty="0">
+                <a:latin typeface="標楷體" panose="03000509000000000000" pitchFamily="65" charset="-120"/>
+                <a:ea typeface="標楷體" panose="03000509000000000000" pitchFamily="65" charset="-120"/>
+              </a:rPr>
+              <a:t>●</a:t>
+            </a:r>
+            <a:r>
+              <a:rPr lang="zh-TW" altLang="en-US" dirty="0">
+                <a:latin typeface="標楷體" panose="03000509000000000000" pitchFamily="65" charset="-120"/>
+                <a:ea typeface="標楷體" panose="03000509000000000000" pitchFamily="65" charset="-120"/>
+              </a:rPr>
+              <a:t>修課心得</a:t>
+            </a:r>
+            <a:r>
+              <a:rPr lang="en-US" altLang="zh-TW" dirty="0">
+                <a:latin typeface="標楷體" panose="03000509000000000000" pitchFamily="65" charset="-120"/>
+                <a:ea typeface="標楷體" panose="03000509000000000000" pitchFamily="65" charset="-120"/>
+              </a:rPr>
+              <a:t>:</a:t>
+            </a:r>
+          </a:p>
+          <a:p>
+            <a:r>
+              <a:rPr lang="zh-TW" altLang="en-US" dirty="0">
+                <a:latin typeface="標楷體" panose="03000509000000000000" pitchFamily="65" charset="-120"/>
+                <a:ea typeface="標楷體" panose="03000509000000000000" pitchFamily="65" charset="-120"/>
+              </a:rPr>
+              <a:t>      此課程於大學部便有修課，但在碩士班的部分，教授更強調自律與實作能力，並且體恤學生辛勞，期中考為</a:t>
+            </a:r>
+            <a:r>
+              <a:rPr lang="en-US" altLang="zh-TW" dirty="0">
+                <a:latin typeface="標楷體" panose="03000509000000000000" pitchFamily="65" charset="-120"/>
+                <a:ea typeface="標楷體" panose="03000509000000000000" pitchFamily="65" charset="-120"/>
+              </a:rPr>
+              <a:t>home</a:t>
+            </a:r>
+            <a:r>
+              <a:rPr lang="zh-TW" altLang="en-US" dirty="0">
+                <a:latin typeface="標楷體" panose="03000509000000000000" pitchFamily="65" charset="-120"/>
+                <a:ea typeface="標楷體" panose="03000509000000000000" pitchFamily="65" charset="-120"/>
+              </a:rPr>
+              <a:t> </a:t>
+            </a:r>
+            <a:r>
+              <a:rPr lang="en-US" altLang="zh-TW" dirty="0">
+                <a:latin typeface="標楷體" panose="03000509000000000000" pitchFamily="65" charset="-120"/>
+                <a:ea typeface="標楷體" panose="03000509000000000000" pitchFamily="65" charset="-120"/>
+              </a:rPr>
+              <a:t>test</a:t>
+            </a:r>
+            <a:r>
+              <a:rPr lang="zh-TW" altLang="en-US" dirty="0">
+                <a:latin typeface="標楷體" panose="03000509000000000000" pitchFamily="65" charset="-120"/>
+                <a:ea typeface="標楷體" panose="03000509000000000000" pitchFamily="65" charset="-120"/>
+              </a:rPr>
+              <a:t>，但我並無因為是</a:t>
+            </a:r>
+            <a:r>
+              <a:rPr lang="en-US" altLang="zh-TW" dirty="0">
+                <a:latin typeface="標楷體" panose="03000509000000000000" pitchFamily="65" charset="-120"/>
+                <a:ea typeface="標楷體" panose="03000509000000000000" pitchFamily="65" charset="-120"/>
+              </a:rPr>
+              <a:t>home test</a:t>
+            </a:r>
+            <a:r>
+              <a:rPr lang="zh-TW" altLang="en-US" dirty="0">
+                <a:latin typeface="標楷體" panose="03000509000000000000" pitchFamily="65" charset="-120"/>
+                <a:ea typeface="標楷體" panose="03000509000000000000" pitchFamily="65" charset="-120"/>
+              </a:rPr>
+              <a:t>便敷衍行事，在發下的後兩天便運用空閒時間將其完成，也由於是在家作業，我從題目中在尋找答案的過程當中，更加認真且有效率的找尋到了</a:t>
+            </a:r>
+            <a:r>
+              <a:rPr lang="en-US" altLang="zh-TW" dirty="0">
+                <a:latin typeface="標楷體" panose="03000509000000000000" pitchFamily="65" charset="-120"/>
+                <a:ea typeface="標楷體" panose="03000509000000000000" pitchFamily="65" charset="-120"/>
+              </a:rPr>
+              <a:t>Operating System</a:t>
+            </a:r>
+            <a:r>
+              <a:rPr lang="zh-TW" altLang="en-US" dirty="0">
+                <a:latin typeface="標楷體" panose="03000509000000000000" pitchFamily="65" charset="-120"/>
+                <a:ea typeface="標楷體" panose="03000509000000000000" pitchFamily="65" charset="-120"/>
+              </a:rPr>
+              <a:t>的相關內容，並且從中學習，老師的作法如同拋磚引玉，使我找到了研讀的方向，不但完成了考試，也吸收了知識。</a:t>
+            </a:r>
+            <a:endParaRPr lang="en-US" altLang="zh-TW" dirty="0">
+              <a:latin typeface="標楷體" panose="03000509000000000000" pitchFamily="65" charset="-120"/>
+              <a:ea typeface="標楷體" panose="03000509000000000000" pitchFamily="65" charset="-120"/>
+            </a:endParaRPr>
+          </a:p>
+          <a:p>
+            <a:endParaRPr lang="en-US" altLang="zh-TW" dirty="0">
+              <a:latin typeface="標楷體" panose="03000509000000000000" pitchFamily="65" charset="-120"/>
+              <a:ea typeface="標楷體" panose="03000509000000000000" pitchFamily="65" charset="-120"/>
+            </a:endParaRPr>
+          </a:p>
+          <a:p>
+            <a:r>
+              <a:rPr lang="zh-TW" altLang="en-US" dirty="0">
+                <a:latin typeface="標楷體" panose="03000509000000000000" pitchFamily="65" charset="-120"/>
+                <a:ea typeface="標楷體" panose="03000509000000000000" pitchFamily="65" charset="-120"/>
+              </a:rPr>
+              <a:t>      期末作業的部分，我與實驗室的同儕們協力完成了此次的作業，也因為通過分組，使的我們之間有了更多的溝通，並且從中了解每個人的個性與特長，在此次的合作中，更加了解到了彼此適合的定位，並且從中互相扶持互相砥礪，最終順利產出結果，也有了面對未來挑戰的自信。</a:t>
+            </a:r>
+            <a:endParaRPr lang="en-US" altLang="zh-TW" dirty="0">
+              <a:latin typeface="標楷體" panose="03000509000000000000" pitchFamily="65" charset="-120"/>
+              <a:ea typeface="標楷體" panose="03000509000000000000" pitchFamily="65" charset="-120"/>
+            </a:endParaRPr>
           </a:p>
         </p:txBody>
       </p:sp>
